--- a/doc/presentation.pptx
+++ b/doc/presentation.pptx
@@ -9,9 +9,16 @@
     <p:sldId id="257" r:id="rId3"/>
     <p:sldId id="259" r:id="rId4"/>
     <p:sldId id="262" r:id="rId5"/>
-    <p:sldId id="260" r:id="rId6"/>
+    <p:sldId id="265" r:id="rId6"/>
     <p:sldId id="258" r:id="rId7"/>
-    <p:sldId id="261" r:id="rId8"/>
+    <p:sldId id="264" r:id="rId8"/>
+    <p:sldId id="263" r:id="rId9"/>
+    <p:sldId id="260" r:id="rId10"/>
+    <p:sldId id="266" r:id="rId11"/>
+    <p:sldId id="267" r:id="rId12"/>
+    <p:sldId id="269" r:id="rId13"/>
+    <p:sldId id="270" r:id="rId14"/>
+    <p:sldId id="268" r:id="rId15"/>
   </p:sldIdLst>
   <p:sldSz cx="12192000" cy="6858000"/>
   <p:notesSz cx="6858000" cy="9144000"/>
@@ -110,6 +117,11 @@
       </a:defRPr>
     </a:lvl9pPr>
   </p:defaultTextStyle>
+  <p:extLst>
+    <p:ext uri="{EFAFB233-063F-42B5-8137-9DF3F51BA10A}">
+      <p15:sldGuideLst xmlns:p15="http://schemas.microsoft.com/office/powerpoint/2012/main"/>
+    </p:ext>
+  </p:extLst>
 </p:presentation>
 </file>
 
@@ -616,7 +628,7 @@
             <a:fld id="{B61BEF0D-F0BB-DE4B-95CE-6DB70DBA9567}" type="datetimeFigureOut">
               <a:rPr lang="en-US" dirty="0"/>
               <a:pPr/>
-              <a:t>3/1/16</a:t>
+              <a:t>5/17/16</a:t>
             </a:fld>
             <a:endParaRPr lang="en-US" dirty="0"/>
           </a:p>
@@ -909,7 +921,7 @@
             <a:fld id="{B61BEF0D-F0BB-DE4B-95CE-6DB70DBA9567}" type="datetimeFigureOut">
               <a:rPr lang="en-US" dirty="0"/>
               <a:pPr/>
-              <a:t>3/1/16</a:t>
+              <a:t>5/17/16</a:t>
             </a:fld>
             <a:endParaRPr lang="en-US" dirty="0"/>
           </a:p>
@@ -1154,7 +1166,7 @@
             <a:fld id="{B61BEF0D-F0BB-DE4B-95CE-6DB70DBA9567}" type="datetimeFigureOut">
               <a:rPr lang="en-US" dirty="0"/>
               <a:pPr/>
-              <a:t>3/1/16</a:t>
+              <a:t>5/17/16</a:t>
             </a:fld>
             <a:endParaRPr lang="en-US" dirty="0"/>
           </a:p>
@@ -1691,7 +1703,7 @@
             <a:fld id="{B61BEF0D-F0BB-DE4B-95CE-6DB70DBA9567}" type="datetimeFigureOut">
               <a:rPr lang="en-US" dirty="0"/>
               <a:pPr/>
-              <a:t>3/1/16</a:t>
+              <a:t>5/17/16</a:t>
             </a:fld>
             <a:endParaRPr lang="en-US" dirty="0"/>
           </a:p>
@@ -1936,7 +1948,7 @@
             <a:fld id="{B61BEF0D-F0BB-DE4B-95CE-6DB70DBA9567}" type="datetimeFigureOut">
               <a:rPr lang="en-US" dirty="0"/>
               <a:pPr/>
-              <a:t>3/1/16</a:t>
+              <a:t>5/17/16</a:t>
             </a:fld>
             <a:endParaRPr lang="en-US" dirty="0"/>
           </a:p>
@@ -2465,7 +2477,7 @@
             <a:fld id="{B61BEF0D-F0BB-DE4B-95CE-6DB70DBA9567}" type="datetimeFigureOut">
               <a:rPr lang="en-US" dirty="0"/>
               <a:pPr/>
-              <a:t>3/1/16</a:t>
+              <a:t>5/17/16</a:t>
             </a:fld>
             <a:endParaRPr lang="en-US" dirty="0"/>
           </a:p>
@@ -2759,7 +2771,7 @@
             <a:fld id="{B61BEF0D-F0BB-DE4B-95CE-6DB70DBA9567}" type="datetimeFigureOut">
               <a:rPr lang="en-US" dirty="0"/>
               <a:pPr/>
-              <a:t>3/1/16</a:t>
+              <a:t>5/17/16</a:t>
             </a:fld>
             <a:endParaRPr lang="en-US" dirty="0"/>
           </a:p>
@@ -2930,7 +2942,7 @@
             <a:fld id="{B61BEF0D-F0BB-DE4B-95CE-6DB70DBA9567}" type="datetimeFigureOut">
               <a:rPr lang="en-US" dirty="0"/>
               <a:pPr/>
-              <a:t>3/1/16</a:t>
+              <a:t>5/17/16</a:t>
             </a:fld>
             <a:endParaRPr lang="en-US" dirty="0"/>
           </a:p>
@@ -3107,7 +3119,7 @@
             <a:fld id="{B61BEF0D-F0BB-DE4B-95CE-6DB70DBA9567}" type="datetimeFigureOut">
               <a:rPr lang="en-US" dirty="0"/>
               <a:pPr/>
-              <a:t>3/1/16</a:t>
+              <a:t>5/17/16</a:t>
             </a:fld>
             <a:endParaRPr lang="en-US" dirty="0"/>
           </a:p>
@@ -3274,7 +3286,7 @@
             <a:fld id="{B61BEF0D-F0BB-DE4B-95CE-6DB70DBA9567}" type="datetimeFigureOut">
               <a:rPr lang="en-US" dirty="0"/>
               <a:pPr/>
-              <a:t>3/1/16</a:t>
+              <a:t>5/17/16</a:t>
             </a:fld>
             <a:endParaRPr lang="en-US" dirty="0"/>
           </a:p>
@@ -3522,7 +3534,7 @@
             <a:fld id="{B61BEF0D-F0BB-DE4B-95CE-6DB70DBA9567}" type="datetimeFigureOut">
               <a:rPr lang="en-US" dirty="0"/>
               <a:pPr/>
-              <a:t>3/1/16</a:t>
+              <a:t>5/17/16</a:t>
             </a:fld>
             <a:endParaRPr lang="en-US" dirty="0"/>
           </a:p>
@@ -3816,7 +3828,7 @@
             <a:fld id="{B61BEF0D-F0BB-DE4B-95CE-6DB70DBA9567}" type="datetimeFigureOut">
               <a:rPr lang="en-US" dirty="0"/>
               <a:pPr/>
-              <a:t>3/1/16</a:t>
+              <a:t>5/17/16</a:t>
             </a:fld>
             <a:endParaRPr lang="en-US" dirty="0"/>
           </a:p>
@@ -4255,7 +4267,7 @@
             <a:fld id="{B61BEF0D-F0BB-DE4B-95CE-6DB70DBA9567}" type="datetimeFigureOut">
               <a:rPr lang="en-US" dirty="0"/>
               <a:pPr/>
-              <a:t>3/1/16</a:t>
+              <a:t>5/17/16</a:t>
             </a:fld>
             <a:endParaRPr lang="en-US" dirty="0"/>
           </a:p>
@@ -4370,7 +4382,7 @@
             <a:fld id="{B61BEF0D-F0BB-DE4B-95CE-6DB70DBA9567}" type="datetimeFigureOut">
               <a:rPr lang="en-US" dirty="0"/>
               <a:pPr/>
-              <a:t>3/1/16</a:t>
+              <a:t>5/17/16</a:t>
             </a:fld>
             <a:endParaRPr lang="en-US" dirty="0"/>
           </a:p>
@@ -4462,7 +4474,7 @@
             <a:fld id="{B61BEF0D-F0BB-DE4B-95CE-6DB70DBA9567}" type="datetimeFigureOut">
               <a:rPr lang="en-US" dirty="0"/>
               <a:pPr/>
-              <a:t>3/1/16</a:t>
+              <a:t>5/17/16</a:t>
             </a:fld>
             <a:endParaRPr lang="en-US" dirty="0"/>
           </a:p>
@@ -4742,7 +4754,7 @@
             <a:fld id="{B61BEF0D-F0BB-DE4B-95CE-6DB70DBA9567}" type="datetimeFigureOut">
               <a:rPr lang="en-US" dirty="0"/>
               <a:pPr/>
-              <a:t>3/1/16</a:t>
+              <a:t>5/17/16</a:t>
             </a:fld>
             <a:endParaRPr lang="en-US" dirty="0"/>
           </a:p>
@@ -5030,7 +5042,7 @@
             <a:fld id="{B61BEF0D-F0BB-DE4B-95CE-6DB70DBA9567}" type="datetimeFigureOut">
               <a:rPr lang="en-US" dirty="0"/>
               <a:pPr/>
-              <a:t>3/1/16</a:t>
+              <a:t>5/17/16</a:t>
             </a:fld>
             <a:endParaRPr lang="en-US" dirty="0"/>
           </a:p>
@@ -5557,7 +5569,7 @@
             <a:fld id="{B61BEF0D-F0BB-DE4B-95CE-6DB70DBA9567}" type="datetimeFigureOut">
               <a:rPr lang="en-US" dirty="0"/>
               <a:pPr/>
-              <a:t>3/1/16</a:t>
+              <a:t>5/17/16</a:t>
             </a:fld>
             <a:endParaRPr lang="en-US" dirty="0"/>
           </a:p>
@@ -6097,15 +6109,22 @@
         <p:spPr/>
         <p:txBody>
           <a:bodyPr>
-            <a:normAutofit fontScale="90000"/>
+            <a:noAutofit/>
           </a:bodyPr>
           <a:lstStyle/>
           <a:p>
             <a:r>
-              <a:rPr lang="ru-RU" dirty="0" smtClean="0"/>
-              <a:t>Отчет по преддипломной практике</a:t>
-            </a:r>
-            <a:endParaRPr lang="en-US" dirty="0"/>
+              <a:rPr lang="ru-RU" sz="3200" b="1" dirty="0"/>
+              <a:t>Разработка и реализация на многоядерном процессоре блочного параллельного итерационного алгоритма численного решения двумерной задачи Дирихле для уравнения Пуассона</a:t>
+            </a:r>
+            <a:r>
+              <a:rPr lang="en-US" sz="3200" dirty="0"/>
+              <a:t/>
+            </a:r>
+            <a:br>
+              <a:rPr lang="en-US" sz="3200" dirty="0"/>
+            </a:br>
+            <a:endParaRPr lang="en-US" sz="3200" dirty="0"/>
           </a:p>
         </p:txBody>
       </p:sp>
@@ -6119,7 +6138,12 @@
             <p:ph type="subTitle" idx="1"/>
           </p:nvPr>
         </p:nvSpPr>
-        <p:spPr/>
+        <p:spPr>
+          <a:xfrm>
+            <a:off x="4515378" y="4595357"/>
+            <a:ext cx="6987645" cy="1388534"/>
+          </a:xfrm>
+        </p:spPr>
         <p:txBody>
           <a:bodyPr/>
           <a:lstStyle/>
@@ -6130,9 +6154,19 @@
             </a:r>
             <a:r>
               <a:rPr lang="ru-RU" dirty="0" smtClean="0"/>
-              <a:t> Вадим</a:t>
-            </a:r>
-            <a:endParaRPr lang="en-US" dirty="0"/>
+              <a:t> </a:t>
+            </a:r>
+            <a:r>
+              <a:rPr lang="ru-RU" dirty="0" smtClean="0"/>
+              <a:t>Вадим</a:t>
+            </a:r>
+            <a:br>
+              <a:rPr lang="ru-RU" dirty="0" smtClean="0"/>
+            </a:br>
+            <a:r>
+              <a:rPr lang="ru-RU" dirty="0" smtClean="0"/>
+              <a:t>студент 5 курса 5 группы</a:t>
+            </a:r>
           </a:p>
         </p:txBody>
       </p:sp>
@@ -6140,6 +6174,503 @@
     <p:extLst>
       <p:ext uri="{BB962C8B-B14F-4D97-AF65-F5344CB8AC3E}">
         <p14:creationId xmlns:p14="http://schemas.microsoft.com/office/powerpoint/2010/main" val="1650127137"/>
+      </p:ext>
+    </p:extLst>
+  </p:cSld>
+  <p:clrMapOvr>
+    <a:masterClrMapping/>
+  </p:clrMapOvr>
+  <p:timing>
+    <p:tnLst>
+      <p:par>
+        <p:cTn id="1" dur="indefinite" restart="never" nodeType="tmRoot"/>
+      </p:par>
+    </p:tnLst>
+  </p:timing>
+</p:sld>
+</file>
+
+<file path=ppt/slides/slide10.xml><?xml version="1.0" encoding="utf-8"?>
+<p:sld xmlns:a="http://schemas.openxmlformats.org/drawingml/2006/main" xmlns:r="http://schemas.openxmlformats.org/officeDocument/2006/relationships" xmlns:p="http://schemas.openxmlformats.org/presentationml/2006/main">
+  <p:cSld>
+    <p:spTree>
+      <p:nvGrpSpPr>
+        <p:cNvPr id="1" name=""/>
+        <p:cNvGrpSpPr/>
+        <p:nvPr/>
+      </p:nvGrpSpPr>
+      <p:grpSpPr>
+        <a:xfrm>
+          <a:off x="0" y="0"/>
+          <a:ext cx="0" cy="0"/>
+          <a:chOff x="0" y="0"/>
+          <a:chExt cx="0" cy="0"/>
+        </a:xfrm>
+      </p:grpSpPr>
+      <p:pic>
+        <p:nvPicPr>
+          <p:cNvPr id="3" name="Picture 2"/>
+          <p:cNvPicPr>
+            <a:picLocks noChangeAspect="1"/>
+          </p:cNvPicPr>
+          <p:nvPr/>
+        </p:nvPicPr>
+        <p:blipFill>
+          <a:blip r:embed="rId2">
+            <a:extLst>
+              <a:ext uri="{28A0092B-C50C-407E-A947-70E740481C1C}">
+                <a14:useLocalDpi xmlns:a14="http://schemas.microsoft.com/office/drawing/2010/main" val="0"/>
+              </a:ext>
+            </a:extLst>
+          </a:blip>
+          <a:stretch>
+            <a:fillRect/>
+          </a:stretch>
+        </p:blipFill>
+        <p:spPr>
+          <a:xfrm>
+            <a:off x="3309994" y="961697"/>
+            <a:ext cx="7352644" cy="4524704"/>
+          </a:xfrm>
+          <a:prstGeom prst="rect">
+            <a:avLst/>
+          </a:prstGeom>
+        </p:spPr>
+      </p:pic>
+    </p:spTree>
+    <p:extLst>
+      <p:ext uri="{BB962C8B-B14F-4D97-AF65-F5344CB8AC3E}">
+        <p14:creationId xmlns:p14="http://schemas.microsoft.com/office/powerpoint/2010/main" val="58506298"/>
+      </p:ext>
+    </p:extLst>
+  </p:cSld>
+  <p:clrMapOvr>
+    <a:masterClrMapping/>
+  </p:clrMapOvr>
+  <p:timing>
+    <p:tnLst>
+      <p:par>
+        <p:cTn id="1" dur="indefinite" restart="never" nodeType="tmRoot"/>
+      </p:par>
+    </p:tnLst>
+  </p:timing>
+</p:sld>
+</file>
+
+<file path=ppt/slides/slide11.xml><?xml version="1.0" encoding="utf-8"?>
+<p:sld xmlns:a="http://schemas.openxmlformats.org/drawingml/2006/main" xmlns:r="http://schemas.openxmlformats.org/officeDocument/2006/relationships" xmlns:p="http://schemas.openxmlformats.org/presentationml/2006/main">
+  <p:cSld>
+    <p:spTree>
+      <p:nvGrpSpPr>
+        <p:cNvPr id="1" name=""/>
+        <p:cNvGrpSpPr/>
+        <p:nvPr/>
+      </p:nvGrpSpPr>
+      <p:grpSpPr>
+        <a:xfrm>
+          <a:off x="0" y="0"/>
+          <a:ext cx="0" cy="0"/>
+          <a:chOff x="0" y="0"/>
+          <a:chExt cx="0" cy="0"/>
+        </a:xfrm>
+      </p:grpSpPr>
+      <p:sp>
+        <p:nvSpPr>
+          <p:cNvPr id="6" name="TextBox 5"/>
+          <p:cNvSpPr txBox="1"/>
+          <p:nvPr/>
+        </p:nvSpPr>
+        <p:spPr>
+          <a:xfrm>
+            <a:off x="2310238" y="141889"/>
+            <a:ext cx="8671034" cy="584775"/>
+          </a:xfrm>
+          <a:prstGeom prst="rect">
+            <a:avLst/>
+          </a:prstGeom>
+          <a:noFill/>
+        </p:spPr>
+        <p:txBody>
+          <a:bodyPr wrap="square" rtlCol="0">
+            <a:spAutoFit/>
+          </a:bodyPr>
+          <a:lstStyle/>
+          <a:p>
+            <a:r>
+              <a:rPr lang="ru-RU" sz="3200" dirty="0" smtClean="0"/>
+              <a:t>Алгоритм с плоским </a:t>
+            </a:r>
+            <a:r>
+              <a:rPr lang="ru-RU" sz="3200" dirty="0" err="1" smtClean="0"/>
+              <a:t>тайлингом</a:t>
+            </a:r>
+            <a:endParaRPr lang="en-US" sz="3200" dirty="0"/>
+          </a:p>
+        </p:txBody>
+      </p:sp>
+      <p:sp>
+        <p:nvSpPr>
+          <p:cNvPr id="4" name="TextBox 3"/>
+          <p:cNvSpPr txBox="1"/>
+          <p:nvPr/>
+        </p:nvSpPr>
+        <p:spPr>
+          <a:xfrm>
+            <a:off x="7819697" y="4534475"/>
+            <a:ext cx="3161575" cy="830997"/>
+          </a:xfrm>
+          <a:prstGeom prst="rect">
+            <a:avLst/>
+          </a:prstGeom>
+          <a:noFill/>
+        </p:spPr>
+        <p:txBody>
+          <a:bodyPr wrap="square" rtlCol="0">
+            <a:spAutoFit/>
+          </a:bodyPr>
+          <a:lstStyle/>
+          <a:p>
+            <a:r>
+              <a:rPr lang="ru-RU" sz="2400" dirty="0" smtClean="0"/>
+              <a:t>Соизмеримая скорость выполнения</a:t>
+            </a:r>
+            <a:endParaRPr lang="en-US" sz="2400" dirty="0"/>
+          </a:p>
+        </p:txBody>
+      </p:sp>
+      <p:pic>
+        <p:nvPicPr>
+          <p:cNvPr id="2" name="Picture 1"/>
+          <p:cNvPicPr>
+            <a:picLocks noChangeAspect="1"/>
+          </p:cNvPicPr>
+          <p:nvPr/>
+        </p:nvPicPr>
+        <p:blipFill>
+          <a:blip r:embed="rId2">
+            <a:extLst>
+              <a:ext uri="{28A0092B-C50C-407E-A947-70E740481C1C}">
+                <a14:useLocalDpi xmlns:a14="http://schemas.microsoft.com/office/drawing/2010/main" val="0"/>
+              </a:ext>
+            </a:extLst>
+          </a:blip>
+          <a:stretch>
+            <a:fillRect/>
+          </a:stretch>
+        </p:blipFill>
+        <p:spPr>
+          <a:xfrm>
+            <a:off x="2574597" y="726664"/>
+            <a:ext cx="4381500" cy="5740400"/>
+          </a:xfrm>
+          <a:prstGeom prst="rect">
+            <a:avLst/>
+          </a:prstGeom>
+        </p:spPr>
+      </p:pic>
+    </p:spTree>
+    <p:extLst>
+      <p:ext uri="{BB962C8B-B14F-4D97-AF65-F5344CB8AC3E}">
+        <p14:creationId xmlns:p14="http://schemas.microsoft.com/office/powerpoint/2010/main" val="754802352"/>
+      </p:ext>
+    </p:extLst>
+  </p:cSld>
+  <p:clrMapOvr>
+    <a:masterClrMapping/>
+  </p:clrMapOvr>
+  <p:timing>
+    <p:tnLst>
+      <p:par>
+        <p:cTn id="1" dur="indefinite" restart="never" nodeType="tmRoot"/>
+      </p:par>
+    </p:tnLst>
+  </p:timing>
+</p:sld>
+</file>
+
+<file path=ppt/slides/slide12.xml><?xml version="1.0" encoding="utf-8"?>
+<p:sld xmlns:a="http://schemas.openxmlformats.org/drawingml/2006/main" xmlns:r="http://schemas.openxmlformats.org/officeDocument/2006/relationships" xmlns:p="http://schemas.openxmlformats.org/presentationml/2006/main">
+  <p:cSld>
+    <p:spTree>
+      <p:nvGrpSpPr>
+        <p:cNvPr id="1" name=""/>
+        <p:cNvGrpSpPr/>
+        <p:nvPr/>
+      </p:nvGrpSpPr>
+      <p:grpSpPr>
+        <a:xfrm>
+          <a:off x="0" y="0"/>
+          <a:ext cx="0" cy="0"/>
+          <a:chOff x="0" y="0"/>
+          <a:chExt cx="0" cy="0"/>
+        </a:xfrm>
+      </p:grpSpPr>
+      <p:pic>
+        <p:nvPicPr>
+          <p:cNvPr id="4" name="Picture 3"/>
+          <p:cNvPicPr>
+            <a:picLocks noChangeAspect="1"/>
+          </p:cNvPicPr>
+          <p:nvPr/>
+        </p:nvPicPr>
+        <p:blipFill>
+          <a:blip r:embed="rId2">
+            <a:extLst>
+              <a:ext uri="{28A0092B-C50C-407E-A947-70E740481C1C}">
+                <a14:useLocalDpi xmlns:a14="http://schemas.microsoft.com/office/drawing/2010/main" val="0"/>
+              </a:ext>
+            </a:extLst>
+          </a:blip>
+          <a:stretch>
+            <a:fillRect/>
+          </a:stretch>
+        </p:blipFill>
+        <p:spPr>
+          <a:xfrm>
+            <a:off x="2774513" y="417708"/>
+            <a:ext cx="8047973" cy="6106576"/>
+          </a:xfrm>
+          <a:prstGeom prst="rect">
+            <a:avLst/>
+          </a:prstGeom>
+        </p:spPr>
+      </p:pic>
+    </p:spTree>
+    <p:extLst>
+      <p:ext uri="{BB962C8B-B14F-4D97-AF65-F5344CB8AC3E}">
+        <p14:creationId xmlns:p14="http://schemas.microsoft.com/office/powerpoint/2010/main" val="244719521"/>
+      </p:ext>
+    </p:extLst>
+  </p:cSld>
+  <p:clrMapOvr>
+    <a:masterClrMapping/>
+  </p:clrMapOvr>
+  <p:timing>
+    <p:tnLst>
+      <p:par>
+        <p:cTn id="1" dur="indefinite" restart="never" nodeType="tmRoot"/>
+      </p:par>
+    </p:tnLst>
+  </p:timing>
+</p:sld>
+</file>
+
+<file path=ppt/slides/slide13.xml><?xml version="1.0" encoding="utf-8"?>
+<p:sld xmlns:a="http://schemas.openxmlformats.org/drawingml/2006/main" xmlns:r="http://schemas.openxmlformats.org/officeDocument/2006/relationships" xmlns:p="http://schemas.openxmlformats.org/presentationml/2006/main">
+  <p:cSld>
+    <p:spTree>
+      <p:nvGrpSpPr>
+        <p:cNvPr id="1" name=""/>
+        <p:cNvGrpSpPr/>
+        <p:nvPr/>
+      </p:nvGrpSpPr>
+      <p:grpSpPr>
+        <a:xfrm>
+          <a:off x="0" y="0"/>
+          <a:ext cx="0" cy="0"/>
+          <a:chOff x="0" y="0"/>
+          <a:chExt cx="0" cy="0"/>
+        </a:xfrm>
+      </p:grpSpPr>
+      <p:pic>
+        <p:nvPicPr>
+          <p:cNvPr id="2" name="Picture 1"/>
+          <p:cNvPicPr>
+            <a:picLocks noChangeAspect="1"/>
+          </p:cNvPicPr>
+          <p:nvPr/>
+        </p:nvPicPr>
+        <p:blipFill>
+          <a:blip r:embed="rId2">
+            <a:extLst>
+              <a:ext uri="{28A0092B-C50C-407E-A947-70E740481C1C}">
+                <a14:useLocalDpi xmlns:a14="http://schemas.microsoft.com/office/drawing/2010/main" val="0"/>
+              </a:ext>
+            </a:extLst>
+          </a:blip>
+          <a:stretch>
+            <a:fillRect/>
+          </a:stretch>
+        </p:blipFill>
+        <p:spPr>
+          <a:xfrm>
+            <a:off x="2010255" y="927976"/>
+            <a:ext cx="9271000" cy="5651500"/>
+          </a:xfrm>
+          <a:prstGeom prst="rect">
+            <a:avLst/>
+          </a:prstGeom>
+        </p:spPr>
+      </p:pic>
+      <p:sp>
+        <p:nvSpPr>
+          <p:cNvPr id="4" name="TextBox 3"/>
+          <p:cNvSpPr txBox="1"/>
+          <p:nvPr/>
+        </p:nvSpPr>
+        <p:spPr>
+          <a:xfrm>
+            <a:off x="2310238" y="141889"/>
+            <a:ext cx="8671034" cy="584775"/>
+          </a:xfrm>
+          <a:prstGeom prst="rect">
+            <a:avLst/>
+          </a:prstGeom>
+          <a:noFill/>
+        </p:spPr>
+        <p:txBody>
+          <a:bodyPr wrap="square" rtlCol="0">
+            <a:spAutoFit/>
+          </a:bodyPr>
+          <a:lstStyle/>
+          <a:p>
+            <a:r>
+              <a:rPr lang="ru-RU" sz="3200" dirty="0" smtClean="0"/>
+              <a:t>Алгоритм с трехмерным </a:t>
+            </a:r>
+            <a:r>
+              <a:rPr lang="ru-RU" sz="3200" dirty="0" err="1" smtClean="0"/>
+              <a:t>тайлингом</a:t>
+            </a:r>
+            <a:endParaRPr lang="en-US" sz="3200" dirty="0"/>
+          </a:p>
+        </p:txBody>
+      </p:sp>
+    </p:spTree>
+    <p:extLst>
+      <p:ext uri="{BB962C8B-B14F-4D97-AF65-F5344CB8AC3E}">
+        <p14:creationId xmlns:p14="http://schemas.microsoft.com/office/powerpoint/2010/main" val="1100841349"/>
+      </p:ext>
+    </p:extLst>
+  </p:cSld>
+  <p:clrMapOvr>
+    <a:masterClrMapping/>
+  </p:clrMapOvr>
+  <p:timing>
+    <p:tnLst>
+      <p:par>
+        <p:cTn id="1" dur="indefinite" restart="never" nodeType="tmRoot"/>
+      </p:par>
+    </p:tnLst>
+  </p:timing>
+</p:sld>
+</file>
+
+<file path=ppt/slides/slide14.xml><?xml version="1.0" encoding="utf-8"?>
+<p:sld xmlns:a="http://schemas.openxmlformats.org/drawingml/2006/main" xmlns:r="http://schemas.openxmlformats.org/officeDocument/2006/relationships" xmlns:p="http://schemas.openxmlformats.org/presentationml/2006/main">
+  <p:cSld>
+    <p:spTree>
+      <p:nvGrpSpPr>
+        <p:cNvPr id="1" name=""/>
+        <p:cNvGrpSpPr/>
+        <p:nvPr/>
+      </p:nvGrpSpPr>
+      <p:grpSpPr>
+        <a:xfrm>
+          <a:off x="0" y="0"/>
+          <a:ext cx="0" cy="0"/>
+          <a:chOff x="0" y="0"/>
+          <a:chExt cx="0" cy="0"/>
+        </a:xfrm>
+      </p:grpSpPr>
+      <p:sp>
+        <p:nvSpPr>
+          <p:cNvPr id="6" name="TextBox 5"/>
+          <p:cNvSpPr txBox="1"/>
+          <p:nvPr/>
+        </p:nvSpPr>
+        <p:spPr>
+          <a:xfrm>
+            <a:off x="2310238" y="141889"/>
+            <a:ext cx="8671034" cy="584775"/>
+          </a:xfrm>
+          <a:prstGeom prst="rect">
+            <a:avLst/>
+          </a:prstGeom>
+          <a:noFill/>
+        </p:spPr>
+        <p:txBody>
+          <a:bodyPr wrap="square" rtlCol="0">
+            <a:spAutoFit/>
+          </a:bodyPr>
+          <a:lstStyle/>
+          <a:p>
+            <a:r>
+              <a:rPr lang="ru-RU" sz="3200" dirty="0" smtClean="0"/>
+              <a:t>Алгоритм с трехмерным </a:t>
+            </a:r>
+            <a:r>
+              <a:rPr lang="ru-RU" sz="3200" dirty="0" err="1" smtClean="0"/>
+              <a:t>тайлингом</a:t>
+            </a:r>
+            <a:endParaRPr lang="en-US" sz="3200" dirty="0"/>
+          </a:p>
+        </p:txBody>
+      </p:sp>
+      <p:sp>
+        <p:nvSpPr>
+          <p:cNvPr id="4" name="TextBox 3"/>
+          <p:cNvSpPr txBox="1"/>
+          <p:nvPr/>
+        </p:nvSpPr>
+        <p:spPr>
+          <a:xfrm>
+            <a:off x="7819697" y="4534475"/>
+            <a:ext cx="3161575" cy="1200329"/>
+          </a:xfrm>
+          <a:prstGeom prst="rect">
+            <a:avLst/>
+          </a:prstGeom>
+          <a:noFill/>
+        </p:spPr>
+        <p:txBody>
+          <a:bodyPr wrap="square" rtlCol="0">
+            <a:spAutoFit/>
+          </a:bodyPr>
+          <a:lstStyle/>
+          <a:p>
+            <a:r>
+              <a:rPr lang="ru-RU" sz="2400" dirty="0" smtClean="0"/>
+              <a:t>Порядка 17 процентов прироста скорости вычислений</a:t>
+            </a:r>
+            <a:endParaRPr lang="en-US" sz="2400" dirty="0"/>
+          </a:p>
+        </p:txBody>
+      </p:sp>
+      <p:pic>
+        <p:nvPicPr>
+          <p:cNvPr id="3" name="Picture 2"/>
+          <p:cNvPicPr>
+            <a:picLocks noChangeAspect="1"/>
+          </p:cNvPicPr>
+          <p:nvPr/>
+        </p:nvPicPr>
+        <p:blipFill>
+          <a:blip r:embed="rId2">
+            <a:extLst>
+              <a:ext uri="{28A0092B-C50C-407E-A947-70E740481C1C}">
+                <a14:useLocalDpi xmlns:a14="http://schemas.microsoft.com/office/drawing/2010/main" val="0"/>
+              </a:ext>
+            </a:extLst>
+          </a:blip>
+          <a:stretch>
+            <a:fillRect/>
+          </a:stretch>
+        </p:blipFill>
+        <p:spPr>
+          <a:xfrm>
+            <a:off x="2479128" y="726664"/>
+            <a:ext cx="4635500" cy="5829300"/>
+          </a:xfrm>
+          <a:prstGeom prst="rect">
+            <a:avLst/>
+          </a:prstGeom>
+        </p:spPr>
+      </p:pic>
+    </p:spTree>
+    <p:extLst>
+      <p:ext uri="{BB962C8B-B14F-4D97-AF65-F5344CB8AC3E}">
+        <p14:creationId xmlns:p14="http://schemas.microsoft.com/office/powerpoint/2010/main" val="498664024"/>
       </p:ext>
     </p:extLst>
   </p:cSld>
@@ -6173,8 +6704,8 @@
           <a:chExt cx="0" cy="0"/>
         </a:xfrm>
       </p:grpSpPr>
-      <mc:AlternateContent xmlns:mc="http://schemas.openxmlformats.org/markup-compatibility/2006">
-        <mc:Choice xmlns:a14="http://schemas.microsoft.com/office/drawing/2010/main" Requires="a14">
+      <mc:AlternateContent xmlns:mc="http://schemas.openxmlformats.org/markup-compatibility/2006" xmlns:a14="http://schemas.microsoft.com/office/drawing/2010/main">
+        <mc:Choice Requires="a14">
           <p:sp>
             <p:nvSpPr>
               <p:cNvPr id="4" name="TextBox 3"/>
@@ -6207,6 +6738,7 @@
                 <a:endParaRPr lang="ru-RU" sz="2800" dirty="0" smtClean="0"/>
               </a:p>
               <a:p>
+                <a:pPr/>
                 <a14:m>
                   <m:oMathPara xmlns:m="http://schemas.openxmlformats.org/officeDocument/2006/math">
                     <m:oMathParaPr>
@@ -6216,139 +6748,187 @@
                       <m:f>
                         <m:fPr>
                           <m:ctrlPr>
-                            <a:rPr lang="en-US" sz="2800" i="1"/>
+                            <a:rPr lang="en-US" sz="2800" i="1">
+                              <a:latin typeface="Cambria Math" charset="0"/>
+                            </a:rPr>
                           </m:ctrlPr>
                         </m:fPr>
                         <m:num>
                           <m:sSup>
                             <m:sSupPr>
                               <m:ctrlPr>
-                                <a:rPr lang="en-US" sz="2800" i="1"/>
+                                <a:rPr lang="en-US" sz="2800" i="1">
+                                  <a:latin typeface="Cambria Math" charset="0"/>
+                                </a:rPr>
                               </m:ctrlPr>
                             </m:sSupPr>
                             <m:e>
                               <m:r>
-                                <a:rPr lang="ru-RU" sz="2800" i="1"/>
+                                <a:rPr lang="ru-RU" sz="2800" i="1">
+                                  <a:latin typeface="Cambria Math" charset="0"/>
+                                </a:rPr>
                                 <m:t>𝜕</m:t>
                               </m:r>
                             </m:e>
                             <m:sup>
                               <m:r>
-                                <a:rPr lang="ru-RU" sz="2800" i="1"/>
+                                <a:rPr lang="ru-RU" sz="2800" i="1">
+                                  <a:latin typeface="Cambria Math" charset="0"/>
+                                </a:rPr>
                                 <m:t>2</m:t>
                               </m:r>
                             </m:sup>
                           </m:sSup>
                           <m:r>
-                            <a:rPr lang="en-US" sz="2800" i="1"/>
+                            <a:rPr lang="en-US" sz="2800" i="1">
+                              <a:latin typeface="Cambria Math" charset="0"/>
+                            </a:rPr>
                             <m:t>𝑢</m:t>
                           </m:r>
                         </m:num>
                         <m:den>
                           <m:r>
-                            <a:rPr lang="ru-RU" sz="2800" i="1"/>
+                            <a:rPr lang="ru-RU" sz="2800" i="1">
+                              <a:latin typeface="Cambria Math" charset="0"/>
+                            </a:rPr>
                             <m:t>𝜕</m:t>
                           </m:r>
                           <m:r>
-                            <a:rPr lang="ru-RU" sz="2800" i="1"/>
+                            <a:rPr lang="ru-RU" sz="2800" i="1">
+                              <a:latin typeface="Cambria Math" charset="0"/>
+                            </a:rPr>
                             <m:t>𝑥</m:t>
                           </m:r>
                         </m:den>
                       </m:f>
                       <m:r>
-                        <a:rPr lang="ru-RU" sz="2800" i="1"/>
+                        <a:rPr lang="ru-RU" sz="2800" i="1">
+                          <a:latin typeface="Cambria Math" charset="0"/>
+                        </a:rPr>
                         <m:t>+</m:t>
                       </m:r>
                       <m:f>
                         <m:fPr>
                           <m:ctrlPr>
-                            <a:rPr lang="en-US" sz="2800" i="1"/>
+                            <a:rPr lang="en-US" sz="2800" i="1">
+                              <a:latin typeface="Cambria Math" charset="0"/>
+                            </a:rPr>
                           </m:ctrlPr>
                         </m:fPr>
                         <m:num>
                           <m:sSup>
                             <m:sSupPr>
                               <m:ctrlPr>
-                                <a:rPr lang="en-US" sz="2800" i="1"/>
+                                <a:rPr lang="en-US" sz="2800" i="1">
+                                  <a:latin typeface="Cambria Math" charset="0"/>
+                                </a:rPr>
                               </m:ctrlPr>
                             </m:sSupPr>
                             <m:e>
                               <m:r>
-                                <a:rPr lang="ru-RU" sz="2800" i="1"/>
+                                <a:rPr lang="ru-RU" sz="2800" i="1">
+                                  <a:latin typeface="Cambria Math" charset="0"/>
+                                </a:rPr>
                                 <m:t>𝜕</m:t>
                               </m:r>
                             </m:e>
                             <m:sup>
                               <m:r>
-                                <a:rPr lang="ru-RU" sz="2800" i="1"/>
+                                <a:rPr lang="ru-RU" sz="2800" i="1">
+                                  <a:latin typeface="Cambria Math" charset="0"/>
+                                </a:rPr>
                                 <m:t>2</m:t>
                               </m:r>
                             </m:sup>
                           </m:sSup>
                           <m:r>
-                            <a:rPr lang="ru-RU" sz="2800" i="1"/>
+                            <a:rPr lang="ru-RU" sz="2800" i="1">
+                              <a:latin typeface="Cambria Math" charset="0"/>
+                            </a:rPr>
                             <m:t>𝑢</m:t>
                           </m:r>
                         </m:num>
                         <m:den>
                           <m:r>
-                            <a:rPr lang="ru-RU" sz="2800" i="1"/>
+                            <a:rPr lang="ru-RU" sz="2800" i="1">
+                              <a:latin typeface="Cambria Math" charset="0"/>
+                            </a:rPr>
                             <m:t>𝜕</m:t>
                           </m:r>
                           <m:r>
-                            <a:rPr lang="ru-RU" sz="2800" i="1"/>
+                            <a:rPr lang="ru-RU" sz="2800" i="1">
+                              <a:latin typeface="Cambria Math" charset="0"/>
+                            </a:rPr>
                             <m:t>𝑦</m:t>
                           </m:r>
                         </m:den>
                       </m:f>
                       <m:r>
-                        <a:rPr lang="ru-RU" sz="2800" i="1"/>
+                        <a:rPr lang="ru-RU" sz="2800" i="1">
+                          <a:latin typeface="Cambria Math" charset="0"/>
+                        </a:rPr>
                         <m:t>=2(</m:t>
                       </m:r>
                       <m:sSup>
                         <m:sSupPr>
                           <m:ctrlPr>
-                            <a:rPr lang="en-US" sz="2800" i="1"/>
+                            <a:rPr lang="en-US" sz="2800" i="1">
+                              <a:latin typeface="Cambria Math" charset="0"/>
+                            </a:rPr>
                           </m:ctrlPr>
                         </m:sSupPr>
                         <m:e>
                           <m:r>
-                            <a:rPr lang="ru-RU" sz="2800" i="1"/>
+                            <a:rPr lang="ru-RU" sz="2800" i="1">
+                              <a:latin typeface="Cambria Math" charset="0"/>
+                            </a:rPr>
                             <m:t>𝑥</m:t>
                           </m:r>
                         </m:e>
                         <m:sup>
                           <m:r>
-                            <a:rPr lang="ru-RU" sz="2800" i="1"/>
+                            <a:rPr lang="ru-RU" sz="2800" i="1">
+                              <a:latin typeface="Cambria Math" charset="0"/>
+                            </a:rPr>
                             <m:t>2</m:t>
                           </m:r>
                         </m:sup>
                       </m:sSup>
                       <m:r>
-                        <a:rPr lang="ru-RU" sz="2800" i="1"/>
+                        <a:rPr lang="ru-RU" sz="2800" i="1">
+                          <a:latin typeface="Cambria Math" charset="0"/>
+                        </a:rPr>
                         <m:t>+</m:t>
                       </m:r>
                       <m:sSup>
                         <m:sSupPr>
                           <m:ctrlPr>
-                            <a:rPr lang="en-US" sz="2800" i="1"/>
+                            <a:rPr lang="en-US" sz="2800" i="1">
+                              <a:latin typeface="Cambria Math" charset="0"/>
+                            </a:rPr>
                           </m:ctrlPr>
                         </m:sSupPr>
                         <m:e>
                           <m:r>
-                            <a:rPr lang="ru-RU" sz="2800" i="1"/>
+                            <a:rPr lang="ru-RU" sz="2800" i="1">
+                              <a:latin typeface="Cambria Math" charset="0"/>
+                            </a:rPr>
                             <m:t>𝑦</m:t>
                           </m:r>
                         </m:e>
                         <m:sup>
                           <m:r>
-                            <a:rPr lang="ru-RU" sz="2800" i="1"/>
+                            <a:rPr lang="ru-RU" sz="2800" i="1">
+                              <a:latin typeface="Cambria Math" charset="0"/>
+                            </a:rPr>
                             <m:t>2</m:t>
                           </m:r>
                         </m:sup>
                       </m:sSup>
                       <m:r>
-                        <a:rPr lang="ru-RU" sz="2800" i="1"/>
+                        <a:rPr lang="ru-RU" sz="2800" i="1">
+                          <a:latin typeface="Cambria Math" charset="0"/>
+                        </a:rPr>
                         <m:t>)</m:t>
                       </m:r>
                     </m:oMath>
@@ -6388,18 +6968,24 @@
                     <m:sSup>
                       <m:sSupPr>
                         <m:ctrlPr>
-                          <a:rPr lang="en-US" sz="2800" i="1"/>
+                          <a:rPr lang="en-US" sz="2800" i="1">
+                            <a:latin typeface="Cambria Math" charset="0"/>
+                          </a:rPr>
                         </m:ctrlPr>
                       </m:sSupPr>
                       <m:e>
                         <m:r>
-                          <a:rPr lang="en-US" sz="2800" i="1"/>
+                          <a:rPr lang="en-US" sz="2800" i="1">
+                            <a:latin typeface="Cambria Math" charset="0"/>
+                          </a:rPr>
                           <m:t>𝑦</m:t>
                         </m:r>
                       </m:e>
                       <m:sup>
                         <m:r>
-                          <a:rPr lang="en-US" sz="2800" i="1"/>
+                          <a:rPr lang="en-US" sz="2800" i="1">
+                            <a:latin typeface="Cambria Math" charset="0"/>
+                          </a:rPr>
                           <m:t>2</m:t>
                         </m:r>
                       </m:sup>
@@ -6415,22 +7001,30 @@
                     <m:sSup>
                       <m:sSupPr>
                         <m:ctrlPr>
-                          <a:rPr lang="en-US" sz="2800" i="1"/>
+                          <a:rPr lang="en-US" sz="2800" i="1">
+                            <a:latin typeface="Cambria Math" charset="0"/>
+                          </a:rPr>
                         </m:ctrlPr>
                       </m:sSupPr>
                       <m:e>
                         <m:r>
-                          <a:rPr lang="en-US" sz="2800" i="1"/>
+                          <a:rPr lang="en-US" sz="2800" i="1">
+                            <a:latin typeface="Cambria Math" charset="0"/>
+                          </a:rPr>
                           <m:t>4</m:t>
                         </m:r>
                         <m:r>
-                          <a:rPr lang="en-US" sz="2800" i="1"/>
+                          <a:rPr lang="en-US" sz="2800" i="1">
+                            <a:latin typeface="Cambria Math" charset="0"/>
+                          </a:rPr>
                           <m:t>𝑥</m:t>
                         </m:r>
                       </m:e>
                       <m:sup>
                         <m:r>
-                          <a:rPr lang="en-US" sz="2800" i="1"/>
+                          <a:rPr lang="en-US" sz="2800" i="1">
+                            <a:latin typeface="Cambria Math" charset="0"/>
+                          </a:rPr>
                           <m:t>2</m:t>
                         </m:r>
                       </m:sup>
@@ -6445,7 +7039,7 @@
             </p:txBody>
           </p:sp>
         </mc:Choice>
-        <mc:Fallback>
+        <mc:Fallback xmlns="">
           <p:sp>
             <p:nvSpPr>
               <p:cNvPr id="4" name="TextBox 3"/>
@@ -6484,8 +7078,8 @@
           </p:sp>
         </mc:Fallback>
       </mc:AlternateContent>
-      <mc:AlternateContent xmlns:mc="http://schemas.openxmlformats.org/markup-compatibility/2006">
-        <mc:Choice xmlns:a14="http://schemas.microsoft.com/office/drawing/2010/main" Requires="a14">
+      <mc:AlternateContent xmlns:mc="http://schemas.openxmlformats.org/markup-compatibility/2006" xmlns:a14="http://schemas.microsoft.com/office/drawing/2010/main">
+        <mc:Choice Requires="a14">
           <p:sp>
             <p:nvSpPr>
               <p:cNvPr id="5" name="TextBox 4"/>
@@ -6528,6 +7122,7 @@
                 <a:endParaRPr lang="en-US" sz="2800" dirty="0"/>
               </a:p>
               <a:p>
+                <a:pPr/>
                 <a14:m>
                   <m:oMathPara xmlns:m="http://schemas.openxmlformats.org/officeDocument/2006/math">
                     <m:oMathParaPr>
@@ -6535,49 +7130,67 @@
                     </m:oMathParaPr>
                     <m:oMath xmlns:m="http://schemas.openxmlformats.org/officeDocument/2006/math">
                       <m:r>
-                        <a:rPr lang="ru-RU" sz="2800" i="1"/>
+                        <a:rPr lang="ru-RU" sz="2800" i="1">
+                          <a:latin typeface="Cambria Math" charset="0"/>
+                        </a:rPr>
                         <m:t>𝑢</m:t>
                       </m:r>
                       <m:d>
                         <m:dPr>
                           <m:ctrlPr>
-                            <a:rPr lang="en-US" sz="2800" i="1"/>
+                            <a:rPr lang="en-US" sz="2800" i="1">
+                              <a:latin typeface="Cambria Math" charset="0"/>
+                            </a:rPr>
                           </m:ctrlPr>
                         </m:dPr>
                         <m:e>
                           <m:r>
-                            <a:rPr lang="ru-RU" sz="2800" i="1"/>
+                            <a:rPr lang="ru-RU" sz="2800" i="1">
+                              <a:latin typeface="Cambria Math" charset="0"/>
+                            </a:rPr>
                             <m:t>𝑥</m:t>
                           </m:r>
                           <m:r>
-                            <a:rPr lang="ru-RU" sz="2800" i="1"/>
+                            <a:rPr lang="ru-RU" sz="2800" i="1">
+                              <a:latin typeface="Cambria Math" charset="0"/>
+                            </a:rPr>
                             <m:t>, </m:t>
                           </m:r>
                           <m:r>
-                            <a:rPr lang="ru-RU" sz="2800" i="1"/>
+                            <a:rPr lang="ru-RU" sz="2800" i="1">
+                              <a:latin typeface="Cambria Math" charset="0"/>
+                            </a:rPr>
                             <m:t>𝑦</m:t>
                           </m:r>
                         </m:e>
                       </m:d>
                       <m:r>
-                        <a:rPr lang="ru-RU" sz="2800" i="1"/>
+                        <a:rPr lang="ru-RU" sz="2800" i="1">
+                          <a:latin typeface="Cambria Math" charset="0"/>
+                        </a:rPr>
                         <m:t>= </m:t>
                       </m:r>
                       <m:sSup>
                         <m:sSupPr>
                           <m:ctrlPr>
-                            <a:rPr lang="en-US" sz="2800" i="1"/>
+                            <a:rPr lang="en-US" sz="2800" i="1">
+                              <a:latin typeface="Cambria Math" charset="0"/>
+                            </a:rPr>
                           </m:ctrlPr>
                         </m:sSupPr>
                         <m:e>
                           <m:r>
-                            <a:rPr lang="ru-RU" sz="2800" i="1"/>
+                            <a:rPr lang="ru-RU" sz="2800" i="1">
+                              <a:latin typeface="Cambria Math" charset="0"/>
+                            </a:rPr>
                             <m:t>𝑥</m:t>
                           </m:r>
                         </m:e>
                         <m:sup>
                           <m:r>
-                            <a:rPr lang="ru-RU" sz="2800" i="1"/>
+                            <a:rPr lang="ru-RU" sz="2800" i="1">
+                              <a:latin typeface="Cambria Math" charset="0"/>
+                            </a:rPr>
                             <m:t>2</m:t>
                           </m:r>
                         </m:sup>
@@ -6585,18 +7198,24 @@
                       <m:sSup>
                         <m:sSupPr>
                           <m:ctrlPr>
-                            <a:rPr lang="en-US" sz="2800" i="1"/>
+                            <a:rPr lang="en-US" sz="2800" i="1">
+                              <a:latin typeface="Cambria Math" charset="0"/>
+                            </a:rPr>
                           </m:ctrlPr>
                         </m:sSupPr>
                         <m:e>
                           <m:r>
-                            <a:rPr lang="ru-RU" sz="2800" i="1"/>
+                            <a:rPr lang="ru-RU" sz="2800" i="1">
+                              <a:latin typeface="Cambria Math" charset="0"/>
+                            </a:rPr>
                             <m:t>𝑦</m:t>
                           </m:r>
                         </m:e>
                         <m:sup>
                           <m:r>
-                            <a:rPr lang="ru-RU" sz="2800" i="1"/>
+                            <a:rPr lang="ru-RU" sz="2800" i="1">
+                              <a:latin typeface="Cambria Math" charset="0"/>
+                            </a:rPr>
                             <m:t>2</m:t>
                           </m:r>
                         </m:sup>
@@ -6609,7 +7228,7 @@
             </p:txBody>
           </p:sp>
         </mc:Choice>
-        <mc:Fallback>
+        <mc:Fallback xmlns="">
           <p:sp>
             <p:nvSpPr>
               <p:cNvPr id="5" name="TextBox 4"/>
@@ -6707,7 +7326,7 @@
         </p:blipFill>
         <p:spPr>
           <a:xfrm>
-            <a:off x="2319683" y="300624"/>
+            <a:off x="2319681" y="710527"/>
             <a:ext cx="8490279" cy="2126724"/>
           </a:xfrm>
           <a:prstGeom prst="rect">
@@ -6737,7 +7356,7 @@
         </p:blipFill>
         <p:spPr>
           <a:xfrm>
-            <a:off x="1801805" y="2772428"/>
+            <a:off x="1801805" y="3103504"/>
             <a:ext cx="9526033" cy="3490586"/>
           </a:xfrm>
           <a:prstGeom prst="rect">
@@ -6784,7 +7403,7 @@
       </p:grpSpPr>
       <p:pic>
         <p:nvPicPr>
-          <p:cNvPr id="4" name="Picture 3"/>
+          <p:cNvPr id="5" name="Picture 4"/>
           <p:cNvPicPr>
             <a:picLocks noChangeAspect="1"/>
           </p:cNvPicPr>
@@ -6804,14 +7423,44 @@
         </p:blipFill>
         <p:spPr>
           <a:xfrm>
-            <a:off x="1332108" y="918053"/>
-            <a:ext cx="10512474" cy="4618451"/>
+            <a:off x="1550581" y="2017985"/>
+            <a:ext cx="10253414" cy="3632638"/>
           </a:xfrm>
           <a:prstGeom prst="rect">
             <a:avLst/>
           </a:prstGeom>
         </p:spPr>
       </p:pic>
+      <p:sp>
+        <p:nvSpPr>
+          <p:cNvPr id="6" name="TextBox 5"/>
+          <p:cNvSpPr txBox="1"/>
+          <p:nvPr/>
+        </p:nvSpPr>
+        <p:spPr>
+          <a:xfrm>
+            <a:off x="2341771" y="1008993"/>
+            <a:ext cx="8671034" cy="584775"/>
+          </a:xfrm>
+          <a:prstGeom prst="rect">
+            <a:avLst/>
+          </a:prstGeom>
+          <a:noFill/>
+        </p:spPr>
+        <p:txBody>
+          <a:bodyPr wrap="square" rtlCol="0">
+            <a:spAutoFit/>
+          </a:bodyPr>
+          <a:lstStyle/>
+          <a:p>
+            <a:r>
+              <a:rPr lang="ru-RU" sz="3200" dirty="0"/>
+              <a:t>Точечный параллельный алгоритм. </a:t>
+            </a:r>
+            <a:endParaRPr lang="en-US" sz="3200" dirty="0"/>
+          </a:p>
+        </p:txBody>
+      </p:sp>
     </p:spTree>
     <p:extLst>
       <p:ext uri="{BB962C8B-B14F-4D97-AF65-F5344CB8AC3E}">
@@ -6849,40 +7498,450 @@
           <a:chExt cx="0" cy="0"/>
         </a:xfrm>
       </p:grpSpPr>
-      <p:pic>
-        <p:nvPicPr>
-          <p:cNvPr id="4" name="Picture 3"/>
-          <p:cNvPicPr>
-            <a:picLocks noChangeAspect="1"/>
-          </p:cNvPicPr>
-          <p:nvPr/>
-        </p:nvPicPr>
-        <p:blipFill>
-          <a:blip r:embed="rId2">
-            <a:extLst>
-              <a:ext uri="{28A0092B-C50C-407E-A947-70E740481C1C}">
-                <a14:useLocalDpi xmlns:a14="http://schemas.microsoft.com/office/drawing/2010/main" val="0"/>
-              </a:ext>
-            </a:extLst>
-          </a:blip>
-          <a:stretch>
-            <a:fillRect/>
-          </a:stretch>
-        </p:blipFill>
-        <p:spPr>
-          <a:xfrm>
-            <a:off x="2774513" y="417708"/>
-            <a:ext cx="8047973" cy="6106576"/>
-          </a:xfrm>
-          <a:prstGeom prst="rect">
-            <a:avLst/>
-          </a:prstGeom>
-        </p:spPr>
-      </p:pic>
+      <mc:AlternateContent xmlns:mc="http://schemas.openxmlformats.org/markup-compatibility/2006">
+        <mc:Choice xmlns:a14="http://schemas.microsoft.com/office/drawing/2010/main" Requires="a14">
+          <p:sp>
+            <p:nvSpPr>
+              <p:cNvPr id="6" name="TextBox 5"/>
+              <p:cNvSpPr txBox="1"/>
+              <p:nvPr/>
+            </p:nvSpPr>
+            <p:spPr>
+              <a:xfrm>
+                <a:off x="2341771" y="1103586"/>
+                <a:ext cx="8671034" cy="5548057"/>
+              </a:xfrm>
+              <a:prstGeom prst="rect">
+                <a:avLst/>
+              </a:prstGeom>
+              <a:noFill/>
+            </p:spPr>
+            <p:txBody>
+              <a:bodyPr wrap="square" rtlCol="0">
+                <a:spAutoFit/>
+              </a:bodyPr>
+              <a:lstStyle/>
+              <a:p>
+                <a:r>
+                  <a:rPr lang="ru-RU" sz="3200" dirty="0" smtClean="0"/>
+                  <a:t>Вычислительные эксперименты</a:t>
+                </a:r>
+                <a:br>
+                  <a:rPr lang="ru-RU" sz="3200" dirty="0" smtClean="0"/>
+                </a:br>
+                <a:r>
+                  <a:rPr lang="ru-RU" sz="3200" dirty="0" smtClean="0"/>
+                  <a:t/>
+                </a:r>
+                <a:br>
+                  <a:rPr lang="ru-RU" sz="3200" dirty="0" smtClean="0"/>
+                </a:br>
+                <a:r>
+                  <a:rPr lang="ru-RU" sz="3200" dirty="0"/>
+                  <a:t>В вычислительных экспериментах </a:t>
+                </a:r>
+                <a:r>
+                  <a:rPr lang="ru-RU" sz="3200" dirty="0" smtClean="0"/>
+                  <a:t>положим:</a:t>
+                </a:r>
+              </a:p>
+              <a:p>
+                <a:r>
+                  <a:rPr lang="ru-RU" sz="3200" dirty="0" smtClean="0"/>
+                  <a:t> </a:t>
+                </a:r>
+                <a:r>
+                  <a:rPr lang="en-US" sz="3200" dirty="0" smtClean="0"/>
+                  <a:t>h </a:t>
+                </a:r>
+                <a:r>
+                  <a:rPr lang="en-US" sz="3200" dirty="0"/>
+                  <a:t>= </a:t>
+                </a:r>
+                <a:r>
+                  <a:rPr lang="en-US" sz="3200" dirty="0" smtClean="0"/>
+                  <a:t>0.00</a:t>
+                </a:r>
+                <a:r>
+                  <a:rPr lang="ru-RU" sz="3200" dirty="0" smtClean="0"/>
+                  <a:t>5 (шаг)</a:t>
+                </a:r>
+                <a:endParaRPr lang="ru-RU" sz="3200" dirty="0"/>
+              </a:p>
+              <a:p>
+                <a:r>
+                  <a:rPr lang="en-US" sz="3200" dirty="0" smtClean="0"/>
+                  <a:t> </a:t>
+                </a:r>
+                <a14:m>
+                  <m:oMath xmlns:m="http://schemas.openxmlformats.org/officeDocument/2006/math">
+                    <m:sSub>
+                      <m:sSubPr>
+                        <m:ctrlPr>
+                          <a:rPr lang="en-US" sz="3200" b="0" i="1" smtClean="0">
+                            <a:latin typeface="Cambria Math" charset="0"/>
+                          </a:rPr>
+                        </m:ctrlPr>
+                      </m:sSubPr>
+                      <m:e>
+                        <m:r>
+                          <a:rPr lang="en-US" sz="3200" b="0" i="1" smtClean="0">
+                            <a:latin typeface="Cambria Math" charset="0"/>
+                          </a:rPr>
+                          <m:t>𝑁</m:t>
+                        </m:r>
+                      </m:e>
+                      <m:sub>
+                        <m:r>
+                          <a:rPr lang="en-US" sz="3200" b="0" i="1" smtClean="0">
+                            <a:latin typeface="Cambria Math" charset="0"/>
+                          </a:rPr>
+                          <m:t>𝑥</m:t>
+                        </m:r>
+                      </m:sub>
+                    </m:sSub>
+                    <m:r>
+                      <a:rPr lang="en-US" sz="3200" b="0" i="1" smtClean="0">
+                        <a:latin typeface="Cambria Math" charset="0"/>
+                      </a:rPr>
+                      <m:t>=2001</m:t>
+                    </m:r>
+                    <m:r>
+                      <a:rPr lang="ru-RU" sz="3200" b="0" i="1" smtClean="0">
+                        <a:latin typeface="Cambria Math" charset="0"/>
+                      </a:rPr>
+                      <m:t> (строк матрицы)</m:t>
+                    </m:r>
+                  </m:oMath>
+                </a14:m>
+                <a:endParaRPr lang="en-US" sz="3200" dirty="0" smtClean="0"/>
+              </a:p>
+              <a:p>
+                <a:r>
+                  <a:rPr lang="en-US" sz="3200" dirty="0"/>
+                  <a:t> </a:t>
+                </a:r>
+                <a14:m>
+                  <m:oMath xmlns:m="http://schemas.openxmlformats.org/officeDocument/2006/math">
+                    <m:sSub>
+                      <m:sSubPr>
+                        <m:ctrlPr>
+                          <a:rPr lang="en-US" sz="3200" i="1">
+                            <a:latin typeface="Cambria Math" charset="0"/>
+                          </a:rPr>
+                        </m:ctrlPr>
+                      </m:sSubPr>
+                      <m:e>
+                        <m:r>
+                          <a:rPr lang="en-US" sz="3200" i="1">
+                            <a:latin typeface="Cambria Math" charset="0"/>
+                          </a:rPr>
+                          <m:t>𝑁</m:t>
+                        </m:r>
+                      </m:e>
+                      <m:sub>
+                        <m:r>
+                          <a:rPr lang="en-US" sz="3200" b="0" i="1" smtClean="0">
+                            <a:latin typeface="Cambria Math" charset="0"/>
+                          </a:rPr>
+                          <m:t>𝑦</m:t>
+                        </m:r>
+                      </m:sub>
+                    </m:sSub>
+                    <m:r>
+                      <a:rPr lang="en-US" sz="3200" i="1">
+                        <a:latin typeface="Cambria Math" charset="0"/>
+                      </a:rPr>
+                      <m:t>=</m:t>
+                    </m:r>
+                    <m:r>
+                      <a:rPr lang="en-US" sz="3200" b="0" i="1" smtClean="0">
+                        <a:latin typeface="Cambria Math" charset="0"/>
+                      </a:rPr>
+                      <m:t>4</m:t>
+                    </m:r>
+                    <m:r>
+                      <a:rPr lang="en-US" sz="3200" i="1">
+                        <a:latin typeface="Cambria Math" charset="0"/>
+                      </a:rPr>
+                      <m:t>001</m:t>
+                    </m:r>
+                    <m:r>
+                      <a:rPr lang="ru-RU" sz="3200" b="0" i="1" smtClean="0">
+                        <a:latin typeface="Cambria Math" charset="0"/>
+                      </a:rPr>
+                      <m:t> </m:t>
+                    </m:r>
+                    <m:d>
+                      <m:dPr>
+                        <m:ctrlPr>
+                          <a:rPr lang="ru-RU" sz="3200" b="0" i="1" smtClean="0">
+                            <a:latin typeface="Cambria Math" charset="0"/>
+                          </a:rPr>
+                        </m:ctrlPr>
+                      </m:dPr>
+                      <m:e>
+                        <m:r>
+                          <a:rPr lang="ru-RU" sz="3200" b="0" i="1" smtClean="0">
+                            <a:latin typeface="Cambria Math" charset="0"/>
+                          </a:rPr>
+                          <m:t>столбцов матрицы</m:t>
+                        </m:r>
+                      </m:e>
+                    </m:d>
+                  </m:oMath>
+                </a14:m>
+                <a:endParaRPr lang="ru-RU" sz="3200" b="0" i="1" dirty="0" smtClean="0">
+                  <a:latin typeface="Cambria Math" charset="0"/>
+                </a:endParaRPr>
+              </a:p>
+              <a:p>
+                <a:pPr/>
+                <a14:m>
+                  <m:oMathPara xmlns:m="http://schemas.openxmlformats.org/officeDocument/2006/math">
+                    <m:oMathParaPr>
+                      <m:jc m:val="left"/>
+                    </m:oMathParaPr>
+                    <m:oMath xmlns:m="http://schemas.openxmlformats.org/officeDocument/2006/math">
+                      <m:r>
+                        <a:rPr lang="ru-RU" sz="3200" b="0" i="1" smtClean="0">
+                          <a:latin typeface="Cambria Math" charset="0"/>
+                        </a:rPr>
+                        <m:t> </m:t>
+                      </m:r>
+                      <m:sSub>
+                        <m:sSubPr>
+                          <m:ctrlPr>
+                            <a:rPr lang="en-US" sz="3200" i="1">
+                              <a:latin typeface="Cambria Math" charset="0"/>
+                            </a:rPr>
+                          </m:ctrlPr>
+                        </m:sSubPr>
+                        <m:e>
+                          <m:r>
+                            <a:rPr lang="ru-RU" sz="3200" i="1">
+                              <a:latin typeface="Cambria Math" charset="0"/>
+                            </a:rPr>
+                            <m:t>𝑅</m:t>
+                          </m:r>
+                        </m:e>
+                        <m:sub>
+                          <m:r>
+                            <a:rPr lang="ru-RU" sz="3200" i="1">
+                              <a:latin typeface="Cambria Math" charset="0"/>
+                            </a:rPr>
+                            <m:t>𝑖𝑡</m:t>
+                          </m:r>
+                        </m:sub>
+                      </m:sSub>
+                      <m:r>
+                        <a:rPr lang="ru-RU" sz="3200" i="1">
+                          <a:latin typeface="Cambria Math" charset="0"/>
+                        </a:rPr>
+                        <m:t>=</m:t>
+                      </m:r>
+                      <m:r>
+                        <a:rPr lang="ru-RU" sz="3200" b="0" i="1" smtClean="0">
+                          <a:latin typeface="Cambria Math" charset="0"/>
+                        </a:rPr>
+                        <m:t>30 (</m:t>
+                      </m:r>
+                      <m:r>
+                        <m:rPr>
+                          <m:nor/>
+                        </m:rPr>
+                        <a:rPr lang="ru-RU" sz="3200" dirty="0"/>
+                        <m:t>количество итераций</m:t>
+                      </m:r>
+                      <m:r>
+                        <a:rPr lang="ru-RU" sz="3200" b="0" i="1" smtClean="0">
+                          <a:latin typeface="Cambria Math" charset="0"/>
+                        </a:rPr>
+                        <m:t>)</m:t>
+                      </m:r>
+                    </m:oMath>
+                  </m:oMathPara>
+                </a14:m>
+                <a:endParaRPr lang="ru-RU" sz="3200" dirty="0" smtClean="0"/>
+              </a:p>
+              <a:p>
+                <a:pPr/>
+                <a:r>
+                  <a:rPr lang="ru-RU" sz="3200" dirty="0" smtClean="0"/>
+                  <a:t>(</a:t>
+                </a:r>
+                <a14:m>
+                  <m:oMath xmlns:m="http://schemas.openxmlformats.org/officeDocument/2006/math">
+                    <m:sSub>
+                      <m:sSubPr>
+                        <m:ctrlPr>
+                          <a:rPr lang="en-US" sz="3200" i="1">
+                            <a:latin typeface="Cambria Math" charset="0"/>
+                          </a:rPr>
+                        </m:ctrlPr>
+                      </m:sSubPr>
+                      <m:e>
+                        <m:r>
+                          <a:rPr lang="en-US" sz="3200" b="0" i="1" smtClean="0">
+                            <a:latin typeface="Cambria Math" charset="0"/>
+                          </a:rPr>
+                          <m:t>𝑟</m:t>
+                        </m:r>
+                      </m:e>
+                      <m:sub>
+                        <m:r>
+                          <a:rPr lang="en-US" sz="3200" b="0" i="1" smtClean="0">
+                            <a:latin typeface="Cambria Math" charset="0"/>
+                          </a:rPr>
+                          <m:t>1</m:t>
+                        </m:r>
+                      </m:sub>
+                    </m:sSub>
+                    <m:r>
+                      <a:rPr lang="en-US" sz="3200" b="0" i="1" smtClean="0">
+                        <a:latin typeface="Cambria Math" charset="0"/>
+                      </a:rPr>
+                      <m:t>,</m:t>
+                    </m:r>
+                    <m:sSub>
+                      <m:sSubPr>
+                        <m:ctrlPr>
+                          <a:rPr lang="en-US" sz="3200" i="1" smtClean="0">
+                            <a:latin typeface="Cambria Math" charset="0"/>
+                          </a:rPr>
+                        </m:ctrlPr>
+                      </m:sSubPr>
+                      <m:e>
+                        <m:r>
+                          <a:rPr lang="en-US" sz="3200" i="1">
+                            <a:latin typeface="Cambria Math" charset="0"/>
+                          </a:rPr>
+                          <m:t>𝑟</m:t>
+                        </m:r>
+                      </m:e>
+                      <m:sub>
+                        <m:r>
+                          <a:rPr lang="en-US" sz="3200" b="0" i="1" smtClean="0">
+                            <a:latin typeface="Cambria Math" charset="0"/>
+                          </a:rPr>
+                          <m:t>2</m:t>
+                        </m:r>
+                      </m:sub>
+                    </m:sSub>
+                  </m:oMath>
+                </a14:m>
+                <a:r>
+                  <a:rPr lang="en-US" sz="3200" dirty="0" smtClean="0"/>
+                  <a:t>, </a:t>
+                </a:r>
+                <a14:m>
+                  <m:oMath xmlns:m="http://schemas.openxmlformats.org/officeDocument/2006/math">
+                    <m:sSub>
+                      <m:sSubPr>
+                        <m:ctrlPr>
+                          <a:rPr lang="en-US" sz="3200" i="1">
+                            <a:latin typeface="Cambria Math" charset="0"/>
+                          </a:rPr>
+                        </m:ctrlPr>
+                      </m:sSubPr>
+                      <m:e>
+                        <m:r>
+                          <a:rPr lang="en-US" sz="3200" i="1">
+                            <a:latin typeface="Cambria Math" charset="0"/>
+                          </a:rPr>
+                          <m:t>𝑟</m:t>
+                        </m:r>
+                      </m:e>
+                      <m:sub>
+                        <m:r>
+                          <a:rPr lang="en-US" sz="3200" b="0" i="1" smtClean="0">
+                            <a:latin typeface="Cambria Math" charset="0"/>
+                          </a:rPr>
+                          <m:t>3</m:t>
+                        </m:r>
+                      </m:sub>
+                    </m:sSub>
+                  </m:oMath>
+                </a14:m>
+                <a:r>
+                  <a:rPr lang="ru-RU" sz="3200" dirty="0" smtClean="0"/>
+                  <a:t>)</a:t>
+                </a:r>
+                <a:r>
+                  <a:rPr lang="en-US" sz="3200" dirty="0" smtClean="0"/>
+                  <a:t> = (4, 100, 100) (</a:t>
+                </a:r>
+                <a:r>
+                  <a:rPr lang="ru-RU" sz="3200" dirty="0" smtClean="0"/>
+                  <a:t>размер </a:t>
+                </a:r>
+                <a:r>
+                  <a:rPr lang="ru-RU" sz="3200" dirty="0" err="1" smtClean="0"/>
+                  <a:t>тайлов</a:t>
+                </a:r>
+                <a:r>
+                  <a:rPr lang="en-US" sz="3200" dirty="0" smtClean="0"/>
+                  <a:t>)</a:t>
+                </a:r>
+                <a:endParaRPr lang="ru-RU" sz="3200" dirty="0" smtClean="0"/>
+              </a:p>
+              <a:p>
+                <a:pPr/>
+                <a:endParaRPr lang="ru-RU" sz="3200" dirty="0"/>
+              </a:p>
+              <a:p>
+                <a:pPr/>
+                <a:r>
+                  <a:rPr lang="ru-RU" sz="3200" dirty="0" smtClean="0"/>
+                  <a:t>Для построения результатов в графиках используется среднее значение в 10 попытках</a:t>
+                </a:r>
+              </a:p>
+            </p:txBody>
+          </p:sp>
+        </mc:Choice>
+        <mc:Fallback>
+          <p:sp>
+            <p:nvSpPr>
+              <p:cNvPr id="6" name="TextBox 5"/>
+              <p:cNvSpPr txBox="1">
+                <a:spLocks noRot="1" noChangeAspect="1" noMove="1" noResize="1" noEditPoints="1" noAdjustHandles="1" noChangeArrowheads="1" noChangeShapeType="1" noTextEdit="1"/>
+              </p:cNvSpPr>
+              <p:nvPr/>
+            </p:nvSpPr>
+            <p:spPr>
+              <a:xfrm>
+                <a:off x="2341771" y="1103586"/>
+                <a:ext cx="8671034" cy="5548057"/>
+              </a:xfrm>
+              <a:prstGeom prst="rect">
+                <a:avLst/>
+              </a:prstGeom>
+              <a:blipFill rotWithShape="0">
+                <a:blip r:embed="rId2"/>
+                <a:stretch>
+                  <a:fillRect l="-1757" t="-1319" b="-2637"/>
+                </a:stretch>
+              </a:blipFill>
+            </p:spPr>
+            <p:txBody>
+              <a:bodyPr/>
+              <a:lstStyle/>
+              <a:p>
+                <a:r>
+                  <a:rPr lang="en-US">
+                    <a:noFill/>
+                  </a:rPr>
+                  <a:t> </a:t>
+                </a:r>
+              </a:p>
+            </p:txBody>
+          </p:sp>
+        </mc:Fallback>
+      </mc:AlternateContent>
     </p:spTree>
     <p:extLst>
       <p:ext uri="{BB962C8B-B14F-4D97-AF65-F5344CB8AC3E}">
-        <p14:creationId xmlns:p14="http://schemas.microsoft.com/office/powerpoint/2010/main" val="609026049"/>
+        <p14:creationId xmlns:p14="http://schemas.microsoft.com/office/powerpoint/2010/main" val="1009608680"/>
       </p:ext>
     </p:extLst>
   </p:cSld>
@@ -7476,6 +8535,13 @@
   <p:clrMapOvr>
     <a:masterClrMapping/>
   </p:clrMapOvr>
+  <p:timing>
+    <p:tnLst>
+      <p:par>
+        <p:cTn id="1" dur="indefinite" restart="never" nodeType="tmRoot"/>
+      </p:par>
+    </p:tnLst>
+  </p:timing>
 </p:sld>
 </file>
 
@@ -7496,9 +8562,39 @@
           <a:chExt cx="0" cy="0"/>
         </a:xfrm>
       </p:grpSpPr>
+      <p:sp>
+        <p:nvSpPr>
+          <p:cNvPr id="6" name="TextBox 5"/>
+          <p:cNvSpPr txBox="1"/>
+          <p:nvPr/>
+        </p:nvSpPr>
+        <p:spPr>
+          <a:xfrm>
+            <a:off x="2310238" y="141889"/>
+            <a:ext cx="8671034" cy="584775"/>
+          </a:xfrm>
+          <a:prstGeom prst="rect">
+            <a:avLst/>
+          </a:prstGeom>
+          <a:noFill/>
+        </p:spPr>
+        <p:txBody>
+          <a:bodyPr wrap="square" rtlCol="0">
+            <a:spAutoFit/>
+          </a:bodyPr>
+          <a:lstStyle/>
+          <a:p>
+            <a:r>
+              <a:rPr lang="ru-RU" sz="3200" dirty="0"/>
+              <a:t>Точечный параллельный алгоритм. </a:t>
+            </a:r>
+            <a:endParaRPr lang="en-US" sz="3200" dirty="0"/>
+          </a:p>
+        </p:txBody>
+      </p:sp>
       <p:pic>
         <p:nvPicPr>
-          <p:cNvPr id="7" name="Picture 6"/>
+          <p:cNvPr id="3" name="Picture 2"/>
           <p:cNvPicPr>
             <a:picLocks noChangeAspect="1"/>
           </p:cNvPicPr>
@@ -7518,185 +8614,233 @@
         </p:blipFill>
         <p:spPr>
           <a:xfrm>
-            <a:off x="242986" y="2267211"/>
-            <a:ext cx="11807053" cy="3781947"/>
+            <a:off x="2625548" y="726664"/>
+            <a:ext cx="4597400" cy="5778500"/>
           </a:xfrm>
           <a:prstGeom prst="rect">
             <a:avLst/>
           </a:prstGeom>
         </p:spPr>
       </p:pic>
-      <mc:AlternateContent xmlns:mc="http://schemas.openxmlformats.org/markup-compatibility/2006">
-        <mc:Choice xmlns:a14="http://schemas.microsoft.com/office/drawing/2010/main" Requires="a14">
-          <p:sp>
-            <p:nvSpPr>
-              <p:cNvPr id="8" name="TextBox 7"/>
-              <p:cNvSpPr txBox="1"/>
-              <p:nvPr/>
-            </p:nvSpPr>
-            <p:spPr>
-              <a:xfrm>
-                <a:off x="1803748" y="275573"/>
-                <a:ext cx="10108504" cy="1661993"/>
-              </a:xfrm>
-              <a:prstGeom prst="rect">
-                <a:avLst/>
-              </a:prstGeom>
-              <a:noFill/>
-            </p:spPr>
-            <p:txBody>
-              <a:bodyPr wrap="square" rtlCol="0">
-                <a:spAutoFit/>
-              </a:bodyPr>
-              <a:lstStyle/>
-              <a:p>
-                <a:r>
-                  <a:rPr lang="ru-RU" sz="2800" dirty="0"/>
-                  <a:t>В вычислительных экспериментах положим шаг </a:t>
-                </a:r>
-                <a:r>
-                  <a:rPr lang="en-US" sz="2800" dirty="0"/>
-                  <a:t>h = 0.002, </a:t>
-                </a:r>
-                <a:r>
-                  <a:rPr lang="ru-RU" sz="2800" dirty="0"/>
-                  <a:t>количество итераций </a:t>
-                </a:r>
-                <a14:m>
-                  <m:oMath xmlns:m="http://schemas.openxmlformats.org/officeDocument/2006/math">
-                    <m:sSub>
-                      <m:sSubPr>
-                        <m:ctrlPr>
-                          <a:rPr lang="en-US" sz="2800" i="1"/>
-                        </m:ctrlPr>
-                      </m:sSubPr>
-                      <m:e>
-                        <m:r>
-                          <a:rPr lang="ru-RU" sz="2800" i="1"/>
-                          <m:t>𝑅</m:t>
-                        </m:r>
-                      </m:e>
-                      <m:sub>
-                        <m:r>
-                          <a:rPr lang="ru-RU" sz="2800" i="1"/>
-                          <m:t>𝑖𝑡</m:t>
-                        </m:r>
-                      </m:sub>
-                    </m:sSub>
-                    <m:r>
-                      <a:rPr lang="ru-RU" sz="2800" i="1"/>
-                      <m:t>=300</m:t>
-                    </m:r>
-                  </m:oMath>
-                </a14:m>
-                <a:r>
-                  <a:rPr lang="ru-RU" sz="2800" dirty="0"/>
-                  <a:t>, размеры </a:t>
-                </a:r>
-                <a:r>
-                  <a:rPr lang="ru-RU" sz="2800" dirty="0" err="1"/>
-                  <a:t>тайла</a:t>
-                </a:r>
-                <a:r>
-                  <a:rPr lang="ru-RU" sz="2800" dirty="0"/>
-                  <a:t> (r1, r2, r3) = (2</a:t>
-                </a:r>
-                <a:r>
-                  <a:rPr lang="en-US" sz="2800" dirty="0"/>
-                  <a:t>, 100, 200) </a:t>
-                </a:r>
-                <a:r>
-                  <a:rPr lang="ru-RU" sz="2800" dirty="0"/>
-                  <a:t>и размер перекрытий </a:t>
-                </a:r>
-                <a14:m>
-                  <m:oMath xmlns:m="http://schemas.openxmlformats.org/officeDocument/2006/math">
-                    <m:sSub>
-                      <m:sSubPr>
-                        <m:ctrlPr>
-                          <a:rPr lang="en-US" sz="2800" i="1"/>
-                        </m:ctrlPr>
-                      </m:sSubPr>
-                      <m:e>
-                        <m:r>
-                          <a:rPr lang="ru-RU" sz="2800" i="1"/>
-                          <m:t>𝑚</m:t>
-                        </m:r>
-                      </m:e>
-                      <m:sub>
-                        <m:r>
-                          <a:rPr lang="ru-RU" sz="2800" i="1"/>
-                          <m:t>𝑜𝑣𝑒𝑟</m:t>
-                        </m:r>
-                      </m:sub>
-                    </m:sSub>
-                    <m:r>
-                      <a:rPr lang="ru-RU" sz="2800" i="1"/>
-                      <m:t>=1</m:t>
-                    </m:r>
-                  </m:oMath>
-                </a14:m>
-                <a:r>
-                  <a:rPr lang="ru-RU" sz="2800" dirty="0"/>
-                  <a:t>.</a:t>
-                </a:r>
-                <a:endParaRPr lang="en-US" sz="2800" dirty="0"/>
-              </a:p>
-              <a:p>
-                <a:endParaRPr lang="en-US" dirty="0"/>
-              </a:p>
-            </p:txBody>
-          </p:sp>
-        </mc:Choice>
-        <mc:Fallback>
-          <p:sp>
-            <p:nvSpPr>
-              <p:cNvPr id="8" name="TextBox 7"/>
-              <p:cNvSpPr txBox="1">
-                <a:spLocks noRot="1" noChangeAspect="1" noMove="1" noResize="1" noEditPoints="1" noAdjustHandles="1" noChangeArrowheads="1" noChangeShapeType="1" noTextEdit="1"/>
-              </p:cNvSpPr>
-              <p:nvPr/>
-            </p:nvSpPr>
-            <p:spPr>
-              <a:xfrm>
-                <a:off x="1803748" y="275573"/>
-                <a:ext cx="10108504" cy="1661993"/>
-              </a:xfrm>
-              <a:prstGeom prst="rect">
-                <a:avLst/>
-              </a:prstGeom>
-              <a:blipFill rotWithShape="0">
-                <a:blip r:embed="rId3"/>
-                <a:stretch>
-                  <a:fillRect l="-1267" t="-3663"/>
-                </a:stretch>
-              </a:blipFill>
-            </p:spPr>
-            <p:txBody>
-              <a:bodyPr/>
-              <a:lstStyle/>
-              <a:p>
-                <a:r>
-                  <a:rPr lang="en-US">
-                    <a:noFill/>
-                  </a:rPr>
-                  <a:t> </a:t>
-                </a:r>
-              </a:p>
-            </p:txBody>
-          </p:sp>
-        </mc:Fallback>
-      </mc:AlternateContent>
+      <p:sp>
+        <p:nvSpPr>
+          <p:cNvPr id="4" name="TextBox 3"/>
+          <p:cNvSpPr txBox="1"/>
+          <p:nvPr/>
+        </p:nvSpPr>
+        <p:spPr>
+          <a:xfrm>
+            <a:off x="7819697" y="4534475"/>
+            <a:ext cx="3161575" cy="1200329"/>
+          </a:xfrm>
+          <a:prstGeom prst="rect">
+            <a:avLst/>
+          </a:prstGeom>
+          <a:noFill/>
+        </p:spPr>
+        <p:txBody>
+          <a:bodyPr wrap="square" rtlCol="0">
+            <a:spAutoFit/>
+          </a:bodyPr>
+          <a:lstStyle/>
+          <a:p>
+            <a:r>
+              <a:rPr lang="ru-RU" sz="2400" dirty="0" smtClean="0"/>
+              <a:t>Параллельный выполняется быстрее в </a:t>
+            </a:r>
+            <a:r>
+              <a:rPr lang="en-US" sz="2400" dirty="0" smtClean="0"/>
+              <a:t>2.7 </a:t>
+            </a:r>
+            <a:r>
+              <a:rPr lang="ru-RU" sz="2400" dirty="0" smtClean="0"/>
+              <a:t>раза</a:t>
+            </a:r>
+            <a:endParaRPr lang="en-US" sz="2400" dirty="0"/>
+          </a:p>
+        </p:txBody>
+      </p:sp>
     </p:spTree>
     <p:extLst>
       <p:ext uri="{BB962C8B-B14F-4D97-AF65-F5344CB8AC3E}">
-        <p14:creationId xmlns:p14="http://schemas.microsoft.com/office/powerpoint/2010/main" val="951787054"/>
+        <p14:creationId xmlns:p14="http://schemas.microsoft.com/office/powerpoint/2010/main" val="106182455"/>
       </p:ext>
     </p:extLst>
   </p:cSld>
   <p:clrMapOvr>
     <a:masterClrMapping/>
   </p:clrMapOvr>
+  <p:timing>
+    <p:tnLst>
+      <p:par>
+        <p:cTn id="1" dur="indefinite" restart="never" nodeType="tmRoot"/>
+      </p:par>
+    </p:tnLst>
+  </p:timing>
+</p:sld>
+</file>
+
+<file path=ppt/slides/slide8.xml><?xml version="1.0" encoding="utf-8"?>
+<p:sld xmlns:a="http://schemas.openxmlformats.org/drawingml/2006/main" xmlns:r="http://schemas.openxmlformats.org/officeDocument/2006/relationships" xmlns:p="http://schemas.openxmlformats.org/presentationml/2006/main">
+  <p:cSld>
+    <p:spTree>
+      <p:nvGrpSpPr>
+        <p:cNvPr id="1" name=""/>
+        <p:cNvGrpSpPr/>
+        <p:nvPr/>
+      </p:nvGrpSpPr>
+      <p:grpSpPr>
+        <a:xfrm>
+          <a:off x="0" y="0"/>
+          <a:ext cx="0" cy="0"/>
+          <a:chOff x="0" y="0"/>
+          <a:chExt cx="0" cy="0"/>
+        </a:xfrm>
+      </p:grpSpPr>
+      <p:sp>
+        <p:nvSpPr>
+          <p:cNvPr id="6" name="TextBox 5"/>
+          <p:cNvSpPr txBox="1"/>
+          <p:nvPr/>
+        </p:nvSpPr>
+        <p:spPr>
+          <a:xfrm>
+            <a:off x="2341771" y="378372"/>
+            <a:ext cx="8671034" cy="584775"/>
+          </a:xfrm>
+          <a:prstGeom prst="rect">
+            <a:avLst/>
+          </a:prstGeom>
+          <a:noFill/>
+        </p:spPr>
+        <p:txBody>
+          <a:bodyPr wrap="square" rtlCol="0">
+            <a:spAutoFit/>
+          </a:bodyPr>
+          <a:lstStyle/>
+          <a:p>
+            <a:r>
+              <a:rPr lang="ru-RU" sz="3200" dirty="0" smtClean="0"/>
+              <a:t>Схема работы процессора с памятью. </a:t>
+            </a:r>
+            <a:endParaRPr lang="en-US" sz="3200" dirty="0"/>
+          </a:p>
+        </p:txBody>
+      </p:sp>
+      <p:pic>
+        <p:nvPicPr>
+          <p:cNvPr id="2" name="Picture 1"/>
+          <p:cNvPicPr>
+            <a:picLocks noChangeAspect="1"/>
+          </p:cNvPicPr>
+          <p:nvPr/>
+        </p:nvPicPr>
+        <p:blipFill>
+          <a:blip r:embed="rId2">
+            <a:extLst>
+              <a:ext uri="{28A0092B-C50C-407E-A947-70E740481C1C}">
+                <a14:useLocalDpi xmlns:a14="http://schemas.microsoft.com/office/drawing/2010/main" val="0"/>
+              </a:ext>
+            </a:extLst>
+          </a:blip>
+          <a:stretch>
+            <a:fillRect/>
+          </a:stretch>
+        </p:blipFill>
+        <p:spPr>
+          <a:xfrm>
+            <a:off x="1317537" y="1341520"/>
+            <a:ext cx="9695268" cy="5059718"/>
+          </a:xfrm>
+          <a:prstGeom prst="rect">
+            <a:avLst/>
+          </a:prstGeom>
+        </p:spPr>
+      </p:pic>
+    </p:spTree>
+    <p:extLst>
+      <p:ext uri="{BB962C8B-B14F-4D97-AF65-F5344CB8AC3E}">
+        <p14:creationId xmlns:p14="http://schemas.microsoft.com/office/powerpoint/2010/main" val="1744052250"/>
+      </p:ext>
+    </p:extLst>
+  </p:cSld>
+  <p:clrMapOvr>
+    <a:masterClrMapping/>
+  </p:clrMapOvr>
+  <p:timing>
+    <p:tnLst>
+      <p:par>
+        <p:cTn id="1" dur="indefinite" restart="never" nodeType="tmRoot"/>
+      </p:par>
+    </p:tnLst>
+  </p:timing>
+</p:sld>
+</file>
+
+<file path=ppt/slides/slide9.xml><?xml version="1.0" encoding="utf-8"?>
+<p:sld xmlns:a="http://schemas.openxmlformats.org/drawingml/2006/main" xmlns:r="http://schemas.openxmlformats.org/officeDocument/2006/relationships" xmlns:p="http://schemas.openxmlformats.org/presentationml/2006/main">
+  <p:cSld>
+    <p:spTree>
+      <p:nvGrpSpPr>
+        <p:cNvPr id="1" name=""/>
+        <p:cNvGrpSpPr/>
+        <p:nvPr/>
+      </p:nvGrpSpPr>
+      <p:grpSpPr>
+        <a:xfrm>
+          <a:off x="0" y="0"/>
+          <a:ext cx="0" cy="0"/>
+          <a:chOff x="0" y="0"/>
+          <a:chExt cx="0" cy="0"/>
+        </a:xfrm>
+      </p:grpSpPr>
+      <p:pic>
+        <p:nvPicPr>
+          <p:cNvPr id="4" name="Picture 3"/>
+          <p:cNvPicPr>
+            <a:picLocks noChangeAspect="1"/>
+          </p:cNvPicPr>
+          <p:nvPr/>
+        </p:nvPicPr>
+        <p:blipFill>
+          <a:blip r:embed="rId2">
+            <a:extLst>
+              <a:ext uri="{28A0092B-C50C-407E-A947-70E740481C1C}">
+                <a14:useLocalDpi xmlns:a14="http://schemas.microsoft.com/office/drawing/2010/main" val="0"/>
+              </a:ext>
+            </a:extLst>
+          </a:blip>
+          <a:stretch>
+            <a:fillRect/>
+          </a:stretch>
+        </p:blipFill>
+        <p:spPr>
+          <a:xfrm>
+            <a:off x="2774513" y="417708"/>
+            <a:ext cx="8047973" cy="6106576"/>
+          </a:xfrm>
+          <a:prstGeom prst="rect">
+            <a:avLst/>
+          </a:prstGeom>
+        </p:spPr>
+      </p:pic>
+    </p:spTree>
+    <p:extLst>
+      <p:ext uri="{BB962C8B-B14F-4D97-AF65-F5344CB8AC3E}">
+        <p14:creationId xmlns:p14="http://schemas.microsoft.com/office/powerpoint/2010/main" val="609026049"/>
+      </p:ext>
+    </p:extLst>
+  </p:cSld>
+  <p:clrMapOvr>
+    <a:masterClrMapping/>
+  </p:clrMapOvr>
+  <p:timing>
+    <p:tnLst>
+      <p:par>
+        <p:cTn id="1" dur="indefinite" restart="never" nodeType="tmRoot"/>
+      </p:par>
+    </p:tnLst>
+  </p:timing>
 </p:sld>
 </file>
 
